--- a/Mobile Communication system/MCS-Part2/MCSLecture 1new.pptx
+++ b/Mobile Communication system/MCS-Part2/MCSLecture 1new.pptx
@@ -288,7 +288,7 @@
               <a:pPr>
                 <a:defRPr/>
               </a:pPr>
-              <a:t>26/11/2020</a:t>
+              <a:t>08/12/2021</a:t>
             </a:fld>
             <a:endParaRPr lang="en-GB"/>
           </a:p>
@@ -534,7 +534,7 @@
           </a:ln>
           <a:extLst>
             <a:ext uri="{909E8E84-426E-40dd-AFC4-6F175D3DCCD1}">
-              <a14:hiddenFill xmlns:a14="http://schemas.microsoft.com/office/drawing/2010/main" xmlns="">
+              <a14:hiddenFill xmlns="" xmlns:a14="http://schemas.microsoft.com/office/drawing/2010/main">
                 <a:solidFill>
                   <a:srgbClr val="FFFFFF"/>
                 </a:solidFill>
@@ -889,14 +889,14 @@
           </a:ln>
           <a:extLst>
             <a:ext uri="{909E8E84-426E-40dd-AFC4-6F175D3DCCD1}">
-              <a14:hiddenFill xmlns:a14="http://schemas.microsoft.com/office/drawing/2010/main" xmlns="">
+              <a14:hiddenFill xmlns="" xmlns:a14="http://schemas.microsoft.com/office/drawing/2010/main">
                 <a:solidFill>
                   <a:srgbClr val="FFFFFF"/>
                 </a:solidFill>
               </a14:hiddenFill>
             </a:ext>
             <a:ext uri="{91240B29-F687-4f45-9708-019B960494DF}">
-              <a14:hiddenLine xmlns:a14="http://schemas.microsoft.com/office/drawing/2010/main" xmlns="" w="9525">
+              <a14:hiddenLine xmlns="" xmlns:a14="http://schemas.microsoft.com/office/drawing/2010/main" w="9525">
                 <a:solidFill>
                   <a:srgbClr val="000000"/>
                 </a:solidFill>
@@ -1071,14 +1071,14 @@
           <a:ln/>
           <a:extLst>
             <a:ext uri="{909E8E84-426E-40dd-AFC4-6F175D3DCCD1}">
-              <a14:hiddenFill xmlns:a14="http://schemas.microsoft.com/office/drawing/2010/main" xmlns="">
+              <a14:hiddenFill xmlns="" xmlns:a14="http://schemas.microsoft.com/office/drawing/2010/main">
                 <a:solidFill>
                   <a:srgbClr val="FFFFFF"/>
                 </a:solidFill>
               </a14:hiddenFill>
             </a:ext>
             <a:ext uri="{91240B29-F687-4f45-9708-019B960494DF}">
-              <a14:hiddenLine xmlns:a14="http://schemas.microsoft.com/office/drawing/2010/main" xmlns="" w="9525">
+              <a14:hiddenLine xmlns="" xmlns:a14="http://schemas.microsoft.com/office/drawing/2010/main" w="9525">
                 <a:solidFill>
                   <a:srgbClr val="000000"/>
                 </a:solidFill>
@@ -1715,14 +1715,14 @@
           </a:ln>
           <a:extLst>
             <a:ext uri="{909E8E84-426E-40dd-AFC4-6F175D3DCCD1}">
-              <a14:hiddenFill xmlns:a14="http://schemas.microsoft.com/office/drawing/2010/main" xmlns="">
+              <a14:hiddenFill xmlns="" xmlns:a14="http://schemas.microsoft.com/office/drawing/2010/main">
                 <a:solidFill>
                   <a:srgbClr val="FFFFFF"/>
                 </a:solidFill>
               </a14:hiddenFill>
             </a:ext>
             <a:ext uri="{91240B29-F687-4f45-9708-019B960494DF}">
-              <a14:hiddenLine xmlns:a14="http://schemas.microsoft.com/office/drawing/2010/main" xmlns="" w="9525">
+              <a14:hiddenLine xmlns="" xmlns:a14="http://schemas.microsoft.com/office/drawing/2010/main" w="9525">
                 <a:solidFill>
                   <a:srgbClr val="000000"/>
                 </a:solidFill>
@@ -1769,14 +1769,14 @@
           </a:ln>
           <a:extLst>
             <a:ext uri="{909E8E84-426E-40dd-AFC4-6F175D3DCCD1}">
-              <a14:hiddenFill xmlns:a14="http://schemas.microsoft.com/office/drawing/2010/main" xmlns="">
+              <a14:hiddenFill xmlns="" xmlns:a14="http://schemas.microsoft.com/office/drawing/2010/main">
                 <a:solidFill>
                   <a:srgbClr val="FFFFFF"/>
                 </a:solidFill>
               </a14:hiddenFill>
             </a:ext>
             <a:ext uri="{91240B29-F687-4f45-9708-019B960494DF}">
-              <a14:hiddenLine xmlns:a14="http://schemas.microsoft.com/office/drawing/2010/main" xmlns="" w="9525">
+              <a14:hiddenLine xmlns="" xmlns:a14="http://schemas.microsoft.com/office/drawing/2010/main" w="9525">
                 <a:solidFill>
                   <a:srgbClr val="000000"/>
                 </a:solidFill>
@@ -1823,14 +1823,14 @@
           </a:ln>
           <a:extLst>
             <a:ext uri="{909E8E84-426E-40dd-AFC4-6F175D3DCCD1}">
-              <a14:hiddenFill xmlns:a14="http://schemas.microsoft.com/office/drawing/2010/main" xmlns="">
+              <a14:hiddenFill xmlns="" xmlns:a14="http://schemas.microsoft.com/office/drawing/2010/main">
                 <a:solidFill>
                   <a:srgbClr val="FFFFFF"/>
                 </a:solidFill>
               </a14:hiddenFill>
             </a:ext>
             <a:ext uri="{91240B29-F687-4f45-9708-019B960494DF}">
-              <a14:hiddenLine xmlns:a14="http://schemas.microsoft.com/office/drawing/2010/main" xmlns="" w="9525">
+              <a14:hiddenLine xmlns="" xmlns:a14="http://schemas.microsoft.com/office/drawing/2010/main" w="9525">
                 <a:solidFill>
                   <a:srgbClr val="000000"/>
                 </a:solidFill>
@@ -1918,14 +1918,14 @@
           </a:ln>
           <a:extLst>
             <a:ext uri="{909E8E84-426E-40dd-AFC4-6F175D3DCCD1}">
-              <a14:hiddenFill xmlns:a14="http://schemas.microsoft.com/office/drawing/2010/main" xmlns="">
+              <a14:hiddenFill xmlns="" xmlns:a14="http://schemas.microsoft.com/office/drawing/2010/main">
                 <a:solidFill>
                   <a:srgbClr val="FFFFFF"/>
                 </a:solidFill>
               </a14:hiddenFill>
             </a:ext>
             <a:ext uri="{91240B29-F687-4f45-9708-019B960494DF}">
-              <a14:hiddenLine xmlns:a14="http://schemas.microsoft.com/office/drawing/2010/main" xmlns="" w="9525">
+              <a14:hiddenLine xmlns="" xmlns:a14="http://schemas.microsoft.com/office/drawing/2010/main" w="9525">
                 <a:solidFill>
                   <a:srgbClr val="000000"/>
                 </a:solidFill>
@@ -1972,14 +1972,14 @@
           </a:ln>
           <a:extLst>
             <a:ext uri="{909E8E84-426E-40dd-AFC4-6F175D3DCCD1}">
-              <a14:hiddenFill xmlns:a14="http://schemas.microsoft.com/office/drawing/2010/main" xmlns="">
+              <a14:hiddenFill xmlns="" xmlns:a14="http://schemas.microsoft.com/office/drawing/2010/main">
                 <a:solidFill>
                   <a:srgbClr val="FFFFFF"/>
                 </a:solidFill>
               </a14:hiddenFill>
             </a:ext>
             <a:ext uri="{91240B29-F687-4f45-9708-019B960494DF}">
-              <a14:hiddenLine xmlns:a14="http://schemas.microsoft.com/office/drawing/2010/main" xmlns="" w="9525">
+              <a14:hiddenLine xmlns="" xmlns:a14="http://schemas.microsoft.com/office/drawing/2010/main" w="9525">
                 <a:solidFill>
                   <a:srgbClr val="000000"/>
                 </a:solidFill>
@@ -2394,14 +2394,14 @@
           </a:ln>
           <a:extLst>
             <a:ext uri="{909E8E84-426E-40dd-AFC4-6F175D3DCCD1}">
-              <a14:hiddenFill xmlns:a14="http://schemas.microsoft.com/office/drawing/2010/main" xmlns="">
+              <a14:hiddenFill xmlns="" xmlns:a14="http://schemas.microsoft.com/office/drawing/2010/main">
                 <a:solidFill>
                   <a:srgbClr val="FFFFFF"/>
                 </a:solidFill>
               </a14:hiddenFill>
             </a:ext>
             <a:ext uri="{91240B29-F687-4f45-9708-019B960494DF}">
-              <a14:hiddenLine xmlns:a14="http://schemas.microsoft.com/office/drawing/2010/main" xmlns="" w="9525">
+              <a14:hiddenLine xmlns="" xmlns:a14="http://schemas.microsoft.com/office/drawing/2010/main" w="9525">
                 <a:solidFill>
                   <a:srgbClr val="000000"/>
                 </a:solidFill>
@@ -2843,14 +2843,14 @@
             </a:ln>
             <a:extLst>
               <a:ext uri="{909E8E84-426E-40dd-AFC4-6F175D3DCCD1}">
-                <a14:hiddenFill xmlns:a14="http://schemas.microsoft.com/office/drawing/2010/main" xmlns="">
+                <a14:hiddenFill xmlns="" xmlns:a14="http://schemas.microsoft.com/office/drawing/2010/main">
                   <a:solidFill>
                     <a:srgbClr val="FFFFFF"/>
                   </a:solidFill>
                 </a14:hiddenFill>
               </a:ext>
               <a:ext uri="{91240B29-F687-4f45-9708-019B960494DF}">
-                <a14:hiddenLine xmlns:a14="http://schemas.microsoft.com/office/drawing/2010/main" xmlns="" w="9525">
+                <a14:hiddenLine xmlns="" xmlns:a14="http://schemas.microsoft.com/office/drawing/2010/main" w="9525">
                   <a:solidFill>
                     <a:srgbClr val="000000"/>
                   </a:solidFill>
@@ -2887,14 +2887,14 @@
           </a:ln>
           <a:extLst>
             <a:ext uri="{909E8E84-426E-40dd-AFC4-6F175D3DCCD1}">
-              <a14:hiddenFill xmlns:a14="http://schemas.microsoft.com/office/drawing/2010/main" xmlns="">
+              <a14:hiddenFill xmlns="" xmlns:a14="http://schemas.microsoft.com/office/drawing/2010/main">
                 <a:solidFill>
                   <a:srgbClr val="FFFFFF"/>
                 </a:solidFill>
               </a14:hiddenFill>
             </a:ext>
             <a:ext uri="{91240B29-F687-4f45-9708-019B960494DF}">
-              <a14:hiddenLine xmlns:a14="http://schemas.microsoft.com/office/drawing/2010/main" xmlns="" w="9525">
+              <a14:hiddenLine xmlns="" xmlns:a14="http://schemas.microsoft.com/office/drawing/2010/main" w="9525">
                 <a:solidFill>
                   <a:srgbClr val="000000"/>
                 </a:solidFill>
@@ -2945,14 +2945,14 @@
           </a:ln>
           <a:extLst>
             <a:ext uri="{909E8E84-426E-40dd-AFC4-6F175D3DCCD1}">
-              <a14:hiddenFill xmlns:a14="http://schemas.microsoft.com/office/drawing/2010/main" xmlns="">
+              <a14:hiddenFill xmlns="" xmlns:a14="http://schemas.microsoft.com/office/drawing/2010/main">
                 <a:solidFill>
                   <a:srgbClr val="FFFFFF"/>
                 </a:solidFill>
               </a14:hiddenFill>
             </a:ext>
             <a:ext uri="{91240B29-F687-4f45-9708-019B960494DF}">
-              <a14:hiddenLine xmlns:a14="http://schemas.microsoft.com/office/drawing/2010/main" xmlns="" w="9525">
+              <a14:hiddenLine xmlns="" xmlns:a14="http://schemas.microsoft.com/office/drawing/2010/main" w="9525">
                 <a:solidFill>
                   <a:srgbClr val="000000"/>
                 </a:solidFill>
@@ -8639,7 +8639,7 @@
           <a:graphicData uri="http://schemas.openxmlformats.org/presentationml/2006/ole">
             <mc:AlternateContent xmlns:mc="http://schemas.openxmlformats.org/markup-compatibility/2006">
               <mc:Choice xmlns:v="urn:schemas-microsoft-com:vml" Requires="v">
-                <p:oleObj spid="_x0000_s8203" name="Equation" r:id="rId3" imgW="43599100" imgH="4686300" progId="Equation.3">
+                <p:oleObj spid="_x0000_s8204" name="Equation" r:id="rId3" imgW="43599100" imgH="4686300" progId="Equation.3">
                   <p:embed/>
                 </p:oleObj>
               </mc:Choice>
@@ -21497,14 +21497,14 @@
           </a:ln>
           <a:extLst>
             <a:ext uri="{909E8E84-426E-40dd-AFC4-6F175D3DCCD1}">
-              <a14:hiddenFill xmlns:a14="http://schemas.microsoft.com/office/drawing/2010/main" xmlns="">
+              <a14:hiddenFill xmlns="" xmlns:a14="http://schemas.microsoft.com/office/drawing/2010/main">
                 <a:solidFill>
                   <a:srgbClr val="FFFFFF"/>
                 </a:solidFill>
               </a14:hiddenFill>
             </a:ext>
             <a:ext uri="{91240B29-F687-4f45-9708-019B960494DF}">
-              <a14:hiddenLine xmlns:a14="http://schemas.microsoft.com/office/drawing/2010/main" xmlns="" w="9525">
+              <a14:hiddenLine xmlns="" xmlns:a14="http://schemas.microsoft.com/office/drawing/2010/main" w="9525">
                 <a:solidFill>
                   <a:srgbClr val="000000"/>
                 </a:solidFill>
@@ -21874,14 +21874,14 @@
           </a:ln>
           <a:extLst>
             <a:ext uri="{909E8E84-426E-40dd-AFC4-6F175D3DCCD1}">
-              <a14:hiddenFill xmlns:a14="http://schemas.microsoft.com/office/drawing/2010/main" xmlns="">
+              <a14:hiddenFill xmlns="" xmlns:a14="http://schemas.microsoft.com/office/drawing/2010/main">
                 <a:solidFill>
                   <a:srgbClr val="FFFFFF"/>
                 </a:solidFill>
               </a14:hiddenFill>
             </a:ext>
             <a:ext uri="{91240B29-F687-4f45-9708-019B960494DF}">
-              <a14:hiddenLine xmlns:a14="http://schemas.microsoft.com/office/drawing/2010/main" xmlns="" w="9525">
+              <a14:hiddenLine xmlns="" xmlns:a14="http://schemas.microsoft.com/office/drawing/2010/main" w="9525">
                 <a:solidFill>
                   <a:srgbClr val="000000"/>
                 </a:solidFill>
@@ -22496,14 +22496,14 @@
           </a:ln>
           <a:extLst>
             <a:ext uri="{909E8E84-426E-40dd-AFC4-6F175D3DCCD1}">
-              <a14:hiddenFill xmlns:a14="http://schemas.microsoft.com/office/drawing/2010/main" xmlns="">
+              <a14:hiddenFill xmlns="" xmlns:a14="http://schemas.microsoft.com/office/drawing/2010/main">
                 <a:solidFill>
                   <a:srgbClr val="FFFFFF"/>
                 </a:solidFill>
               </a14:hiddenFill>
             </a:ext>
             <a:ext uri="{91240B29-F687-4f45-9708-019B960494DF}">
-              <a14:hiddenLine xmlns:a14="http://schemas.microsoft.com/office/drawing/2010/main" xmlns="" w="9525">
+              <a14:hiddenLine xmlns="" xmlns:a14="http://schemas.microsoft.com/office/drawing/2010/main" w="9525">
                 <a:solidFill>
                   <a:srgbClr val="000000"/>
                 </a:solidFill>
@@ -22802,14 +22802,14 @@
           </a:ln>
           <a:extLst>
             <a:ext uri="{909E8E84-426E-40dd-AFC4-6F175D3DCCD1}">
-              <a14:hiddenFill xmlns:a14="http://schemas.microsoft.com/office/drawing/2010/main" xmlns="">
+              <a14:hiddenFill xmlns="" xmlns:a14="http://schemas.microsoft.com/office/drawing/2010/main">
                 <a:solidFill>
                   <a:srgbClr val="FFFFFF"/>
                 </a:solidFill>
               </a14:hiddenFill>
             </a:ext>
             <a:ext uri="{91240B29-F687-4f45-9708-019B960494DF}">
-              <a14:hiddenLine xmlns:a14="http://schemas.microsoft.com/office/drawing/2010/main" xmlns="" w="9525">
+              <a14:hiddenLine xmlns="" xmlns:a14="http://schemas.microsoft.com/office/drawing/2010/main" w="9525">
                 <a:solidFill>
                   <a:srgbClr val="000000"/>
                 </a:solidFill>
@@ -23244,14 +23244,14 @@
           </a:ln>
           <a:extLst>
             <a:ext uri="{909E8E84-426E-40dd-AFC4-6F175D3DCCD1}">
-              <a14:hiddenFill xmlns:a14="http://schemas.microsoft.com/office/drawing/2010/main" xmlns="">
+              <a14:hiddenFill xmlns="" xmlns:a14="http://schemas.microsoft.com/office/drawing/2010/main">
                 <a:solidFill>
                   <a:srgbClr val="FFFFFF"/>
                 </a:solidFill>
               </a14:hiddenFill>
             </a:ext>
             <a:ext uri="{91240B29-F687-4f45-9708-019B960494DF}">
-              <a14:hiddenLine xmlns:a14="http://schemas.microsoft.com/office/drawing/2010/main" xmlns="" w="9525">
+              <a14:hiddenLine xmlns="" xmlns:a14="http://schemas.microsoft.com/office/drawing/2010/main" w="9525">
                 <a:solidFill>
                   <a:srgbClr val="000000"/>
                 </a:solidFill>
@@ -23516,14 +23516,14 @@
           </a:ln>
           <a:extLst>
             <a:ext uri="{909E8E84-426E-40dd-AFC4-6F175D3DCCD1}">
-              <a14:hiddenFill xmlns:a14="http://schemas.microsoft.com/office/drawing/2010/main" xmlns="">
+              <a14:hiddenFill xmlns="" xmlns:a14="http://schemas.microsoft.com/office/drawing/2010/main">
                 <a:solidFill>
                   <a:srgbClr val="FFFFFF"/>
                 </a:solidFill>
               </a14:hiddenFill>
             </a:ext>
             <a:ext uri="{91240B29-F687-4f45-9708-019B960494DF}">
-              <a14:hiddenLine xmlns:a14="http://schemas.microsoft.com/office/drawing/2010/main" xmlns="" w="9525">
+              <a14:hiddenLine xmlns="" xmlns:a14="http://schemas.microsoft.com/office/drawing/2010/main" w="9525">
                 <a:solidFill>
                   <a:srgbClr val="000000"/>
                 </a:solidFill>
@@ -23737,14 +23737,14 @@
           </a:ln>
           <a:extLst>
             <a:ext uri="{909E8E84-426E-40dd-AFC4-6F175D3DCCD1}">
-              <a14:hiddenFill xmlns:a14="http://schemas.microsoft.com/office/drawing/2010/main" xmlns="">
+              <a14:hiddenFill xmlns="" xmlns:a14="http://schemas.microsoft.com/office/drawing/2010/main">
                 <a:solidFill>
                   <a:srgbClr val="FFFFFF"/>
                 </a:solidFill>
               </a14:hiddenFill>
             </a:ext>
             <a:ext uri="{91240B29-F687-4f45-9708-019B960494DF}">
-              <a14:hiddenLine xmlns:a14="http://schemas.microsoft.com/office/drawing/2010/main" xmlns="" w="9525">
+              <a14:hiddenLine xmlns="" xmlns:a14="http://schemas.microsoft.com/office/drawing/2010/main" w="9525">
                 <a:solidFill>
                   <a:srgbClr val="000000"/>
                 </a:solidFill>
@@ -24248,14 +24248,14 @@
           </a:ln>
           <a:extLst>
             <a:ext uri="{909E8E84-426E-40dd-AFC4-6F175D3DCCD1}">
-              <a14:hiddenFill xmlns:a14="http://schemas.microsoft.com/office/drawing/2010/main" xmlns="">
+              <a14:hiddenFill xmlns="" xmlns:a14="http://schemas.microsoft.com/office/drawing/2010/main">
                 <a:solidFill>
                   <a:srgbClr val="FFFFFF"/>
                 </a:solidFill>
               </a14:hiddenFill>
             </a:ext>
             <a:ext uri="{91240B29-F687-4f45-9708-019B960494DF}">
-              <a14:hiddenLine xmlns:a14="http://schemas.microsoft.com/office/drawing/2010/main" xmlns="" w="9525">
+              <a14:hiddenLine xmlns="" xmlns:a14="http://schemas.microsoft.com/office/drawing/2010/main" w="9525">
                 <a:solidFill>
                   <a:srgbClr val="000000"/>
                 </a:solidFill>
@@ -24576,14 +24576,14 @@
           </a:ln>
           <a:extLst>
             <a:ext uri="{909E8E84-426E-40dd-AFC4-6F175D3DCCD1}">
-              <a14:hiddenFill xmlns:a14="http://schemas.microsoft.com/office/drawing/2010/main" xmlns="">
+              <a14:hiddenFill xmlns="" xmlns:a14="http://schemas.microsoft.com/office/drawing/2010/main">
                 <a:solidFill>
                   <a:srgbClr val="FFFFFF"/>
                 </a:solidFill>
               </a14:hiddenFill>
             </a:ext>
             <a:ext uri="{91240B29-F687-4f45-9708-019B960494DF}">
-              <a14:hiddenLine xmlns:a14="http://schemas.microsoft.com/office/drawing/2010/main" xmlns="" w="9525">
+              <a14:hiddenLine xmlns="" xmlns:a14="http://schemas.microsoft.com/office/drawing/2010/main" w="9525">
                 <a:solidFill>
                   <a:srgbClr val="000000"/>
                 </a:solidFill>
@@ -25043,14 +25043,14 @@
           </a:ln>
           <a:extLst>
             <a:ext uri="{909E8E84-426E-40dd-AFC4-6F175D3DCCD1}">
-              <a14:hiddenFill xmlns:a14="http://schemas.microsoft.com/office/drawing/2010/main" xmlns="">
+              <a14:hiddenFill xmlns="" xmlns:a14="http://schemas.microsoft.com/office/drawing/2010/main">
                 <a:solidFill>
                   <a:srgbClr val="FFFFFF"/>
                 </a:solidFill>
               </a14:hiddenFill>
             </a:ext>
             <a:ext uri="{91240B29-F687-4f45-9708-019B960494DF}">
-              <a14:hiddenLine xmlns:a14="http://schemas.microsoft.com/office/drawing/2010/main" xmlns="" w="9525">
+              <a14:hiddenLine xmlns="" xmlns:a14="http://schemas.microsoft.com/office/drawing/2010/main" w="9525">
                 <a:solidFill>
                   <a:srgbClr val="000000"/>
                 </a:solidFill>
@@ -25557,14 +25557,14 @@
           </a:ln>
           <a:extLst>
             <a:ext uri="{909E8E84-426E-40dd-AFC4-6F175D3DCCD1}">
-              <a14:hiddenFill xmlns:a14="http://schemas.microsoft.com/office/drawing/2010/main" xmlns="">
+              <a14:hiddenFill xmlns="" xmlns:a14="http://schemas.microsoft.com/office/drawing/2010/main">
                 <a:solidFill>
                   <a:srgbClr val="FFFFFF"/>
                 </a:solidFill>
               </a14:hiddenFill>
             </a:ext>
             <a:ext uri="{91240B29-F687-4f45-9708-019B960494DF}">
-              <a14:hiddenLine xmlns:a14="http://schemas.microsoft.com/office/drawing/2010/main" xmlns="" w="9525">
+              <a14:hiddenLine xmlns="" xmlns:a14="http://schemas.microsoft.com/office/drawing/2010/main" w="9525">
                 <a:solidFill>
                   <a:srgbClr val="000000"/>
                 </a:solidFill>
@@ -25952,14 +25952,14 @@
           </a:ln>
           <a:extLst>
             <a:ext uri="{909E8E84-426E-40dd-AFC4-6F175D3DCCD1}">
-              <a14:hiddenFill xmlns:a14="http://schemas.microsoft.com/office/drawing/2010/main" xmlns="">
+              <a14:hiddenFill xmlns="" xmlns:a14="http://schemas.microsoft.com/office/drawing/2010/main">
                 <a:solidFill>
                   <a:srgbClr val="FFFFFF"/>
                 </a:solidFill>
               </a14:hiddenFill>
             </a:ext>
             <a:ext uri="{91240B29-F687-4f45-9708-019B960494DF}">
-              <a14:hiddenLine xmlns:a14="http://schemas.microsoft.com/office/drawing/2010/main" xmlns="" w="9525">
+              <a14:hiddenLine xmlns="" xmlns:a14="http://schemas.microsoft.com/office/drawing/2010/main" w="9525">
                 <a:solidFill>
                   <a:srgbClr val="000000"/>
                 </a:solidFill>
@@ -26544,14 +26544,14 @@
           </a:ln>
           <a:extLst>
             <a:ext uri="{909E8E84-426E-40dd-AFC4-6F175D3DCCD1}">
-              <a14:hiddenFill xmlns:a14="http://schemas.microsoft.com/office/drawing/2010/main" xmlns="">
+              <a14:hiddenFill xmlns="" xmlns:a14="http://schemas.microsoft.com/office/drawing/2010/main">
                 <a:solidFill>
                   <a:srgbClr val="FFFFFF"/>
                 </a:solidFill>
               </a14:hiddenFill>
             </a:ext>
             <a:ext uri="{91240B29-F687-4f45-9708-019B960494DF}">
-              <a14:hiddenLine xmlns:a14="http://schemas.microsoft.com/office/drawing/2010/main" xmlns="" w="9525">
+              <a14:hiddenLine xmlns="" xmlns:a14="http://schemas.microsoft.com/office/drawing/2010/main" w="9525">
                 <a:solidFill>
                   <a:srgbClr val="000000"/>
                 </a:solidFill>
